--- a/Water_Pump_Model_Summary.pptx
+++ b/Water_Pump_Model_Summary.pptx
@@ -5,12 +5,16 @@
     <p:sldMasterId id="2147483678" r:id="rId1"/>
   </p:sldMasterIdLst>
   <p:sldIdLst>
-    <p:sldId id="256" r:id="rId2"/>
-    <p:sldId id="257" r:id="rId3"/>
-    <p:sldId id="258" r:id="rId4"/>
-    <p:sldId id="259" r:id="rId5"/>
-    <p:sldId id="260" r:id="rId6"/>
-    <p:sldId id="261" r:id="rId7"/>
+    <p:sldId id="262" r:id="rId2"/>
+    <p:sldId id="256" r:id="rId3"/>
+    <p:sldId id="264" r:id="rId4"/>
+    <p:sldId id="265" r:id="rId5"/>
+    <p:sldId id="257" r:id="rId6"/>
+    <p:sldId id="263" r:id="rId7"/>
+    <p:sldId id="258" r:id="rId8"/>
+    <p:sldId id="259" r:id="rId9"/>
+    <p:sldId id="260" r:id="rId10"/>
+    <p:sldId id="261" r:id="rId11"/>
   </p:sldIdLst>
   <p:sldSz cx="9144000" cy="6858000" type="screen4x3"/>
   <p:notesSz cx="6858000" cy="9144000"/>
@@ -13509,6 +13513,519 @@
       </p:grpSpPr>
       <p:sp>
         <p:nvSpPr>
+          <p:cNvPr id="2" name="Title 1">
+            <a:extLst>
+              <a:ext uri="{FF2B5EF4-FFF2-40B4-BE49-F238E27FC236}">
+                <a16:creationId xmlns:a16="http://schemas.microsoft.com/office/drawing/2014/main" id="{A8CB1DB5-4BE1-46ED-86EE-BC7C1CE97631}"/>
+              </a:ext>
+            </a:extLst>
+          </p:cNvPr>
+          <p:cNvSpPr>
+            <a:spLocks noGrp="1"/>
+          </p:cNvSpPr>
+          <p:nvPr>
+            <p:ph type="title"/>
+          </p:nvPr>
+        </p:nvSpPr>
+        <p:spPr>
+          <a:xfrm>
+            <a:off x="760866" y="525517"/>
+            <a:ext cx="6911685" cy="1471449"/>
+          </a:xfrm>
+        </p:spPr>
+        <p:txBody>
+          <a:bodyPr/>
+          <a:lstStyle/>
+          <a:p>
+            <a:r>
+              <a:rPr lang="en-US" sz="4000" dirty="0"/>
+              <a:t>Tanzania Water Pump Project</a:t>
+            </a:r>
+          </a:p>
+        </p:txBody>
+      </p:sp>
+      <p:sp>
+        <p:nvSpPr>
+          <p:cNvPr id="3" name="Content Placeholder 2">
+            <a:extLst>
+              <a:ext uri="{FF2B5EF4-FFF2-40B4-BE49-F238E27FC236}">
+                <a16:creationId xmlns:a16="http://schemas.microsoft.com/office/drawing/2014/main" id="{14D913A1-0503-4E69-B851-A71995D82848}"/>
+              </a:ext>
+            </a:extLst>
+          </p:cNvPr>
+          <p:cNvSpPr>
+            <a:spLocks noGrp="1"/>
+          </p:cNvSpPr>
+          <p:nvPr>
+            <p:ph idx="1"/>
+          </p:nvPr>
+        </p:nvSpPr>
+        <p:spPr>
+          <a:xfrm>
+            <a:off x="864382" y="2489200"/>
+            <a:ext cx="8279618" cy="3701393"/>
+          </a:xfrm>
+        </p:spPr>
+        <p:txBody>
+          <a:bodyPr>
+            <a:normAutofit lnSpcReduction="10000"/>
+          </a:bodyPr>
+          <a:lstStyle/>
+          <a:p>
+            <a:pPr marL="0" indent="0" algn="just">
+              <a:buNone/>
+            </a:pPr>
+            <a:r>
+              <a:rPr lang="en-US" sz="2800" dirty="0">
+                <a:solidFill>
+                  <a:srgbClr val="7030A0"/>
+                </a:solidFill>
+                <a:latin typeface="Times New Roman" panose="02020603050405020304" pitchFamily="18" charset="0"/>
+                <a:cs typeface="Times New Roman" panose="02020603050405020304" pitchFamily="18" charset="0"/>
+              </a:rPr>
+              <a:t>Water Pump Functionality Modelling Project for the Ministry of Water, Tanzania. </a:t>
+            </a:r>
+          </a:p>
+          <a:p>
+            <a:pPr marL="0" indent="0" algn="just">
+              <a:buNone/>
+            </a:pPr>
+            <a:endParaRPr lang="en-US" sz="2000" dirty="0">
+              <a:solidFill>
+                <a:srgbClr val="7030A0"/>
+              </a:solidFill>
+              <a:latin typeface="Times New Roman" panose="02020603050405020304" pitchFamily="18" charset="0"/>
+              <a:cs typeface="Times New Roman" panose="02020603050405020304" pitchFamily="18" charset="0"/>
+            </a:endParaRPr>
+          </a:p>
+          <a:p>
+            <a:pPr marL="0" indent="0" algn="just">
+              <a:buNone/>
+            </a:pPr>
+            <a:r>
+              <a:rPr lang="en-US" sz="2400" dirty="0">
+                <a:solidFill>
+                  <a:srgbClr val="7030A0"/>
+                </a:solidFill>
+                <a:latin typeface="Times New Roman" panose="02020603050405020304" pitchFamily="18" charset="0"/>
+                <a:cs typeface="Times New Roman" panose="02020603050405020304" pitchFamily="18" charset="0"/>
+              </a:rPr>
+              <a:t>Presentation by;</a:t>
+            </a:r>
+          </a:p>
+          <a:p>
+            <a:pPr marL="0" indent="0" algn="just">
+              <a:buNone/>
+            </a:pPr>
+            <a:r>
+              <a:rPr lang="en-US" sz="2400" dirty="0">
+                <a:solidFill>
+                  <a:srgbClr val="7030A0"/>
+                </a:solidFill>
+                <a:latin typeface="Times New Roman" panose="02020603050405020304" pitchFamily="18" charset="0"/>
+                <a:cs typeface="Times New Roman" panose="02020603050405020304" pitchFamily="18" charset="0"/>
+              </a:rPr>
+              <a:t>Erick .M. </a:t>
+            </a:r>
+            <a:r>
+              <a:rPr lang="en-US" sz="2400" dirty="0" err="1">
+                <a:solidFill>
+                  <a:srgbClr val="7030A0"/>
+                </a:solidFill>
+                <a:latin typeface="Times New Roman" panose="02020603050405020304" pitchFamily="18" charset="0"/>
+                <a:cs typeface="Times New Roman" panose="02020603050405020304" pitchFamily="18" charset="0"/>
+              </a:rPr>
+              <a:t>Okacha</a:t>
+            </a:r>
+            <a:r>
+              <a:rPr lang="en-US" sz="2400" dirty="0">
+                <a:solidFill>
+                  <a:srgbClr val="7030A0"/>
+                </a:solidFill>
+                <a:latin typeface="Times New Roman" panose="02020603050405020304" pitchFamily="18" charset="0"/>
+                <a:cs typeface="Times New Roman" panose="02020603050405020304" pitchFamily="18" charset="0"/>
+              </a:rPr>
+              <a:t>- Data Scientist</a:t>
+            </a:r>
+          </a:p>
+          <a:p>
+            <a:pPr marL="0" indent="0" algn="just">
+              <a:buNone/>
+            </a:pPr>
+            <a:r>
+              <a:rPr lang="en-US" sz="2400" dirty="0">
+                <a:solidFill>
+                  <a:srgbClr val="7030A0"/>
+                </a:solidFill>
+                <a:latin typeface="Times New Roman" panose="02020603050405020304" pitchFamily="18" charset="0"/>
+                <a:cs typeface="Times New Roman" panose="02020603050405020304" pitchFamily="18" charset="0"/>
+              </a:rPr>
+              <a:t>Moringa School</a:t>
+            </a:r>
+          </a:p>
+          <a:p>
+            <a:pPr marL="0" indent="0" algn="just">
+              <a:buNone/>
+            </a:pPr>
+            <a:r>
+              <a:rPr lang="en-US" sz="2400" dirty="0">
+                <a:solidFill>
+                  <a:srgbClr val="7030A0"/>
+                </a:solidFill>
+                <a:latin typeface="Times New Roman" panose="02020603050405020304" pitchFamily="18" charset="0"/>
+                <a:cs typeface="Times New Roman" panose="02020603050405020304" pitchFamily="18" charset="0"/>
+              </a:rPr>
+              <a:t>Email: </a:t>
+            </a:r>
+            <a:r>
+              <a:rPr lang="en-US" sz="2400" dirty="0">
+                <a:solidFill>
+                  <a:srgbClr val="7030A0"/>
+                </a:solidFill>
+                <a:latin typeface="Times New Roman" panose="02020603050405020304" pitchFamily="18" charset="0"/>
+                <a:cs typeface="Times New Roman" panose="02020603050405020304" pitchFamily="18" charset="0"/>
+                <a:hlinkClick r:id="rId2">
+                  <a:extLst>
+                    <a:ext uri="{A12FA001-AC4F-418D-AE19-62706E023703}">
+                      <ahyp:hlinkClr xmlns:ahyp="http://schemas.microsoft.com/office/drawing/2018/hyperlinkcolor" val="tx"/>
+                    </a:ext>
+                  </a:extLst>
+                </a:hlinkClick>
+              </a:rPr>
+              <a:t>erick.okacha@student.moringaschool.com</a:t>
+            </a:r>
+            <a:endParaRPr lang="en-US" sz="2400" dirty="0">
+              <a:solidFill>
+                <a:srgbClr val="7030A0"/>
+              </a:solidFill>
+              <a:latin typeface="Times New Roman" panose="02020603050405020304" pitchFamily="18" charset="0"/>
+              <a:cs typeface="Times New Roman" panose="02020603050405020304" pitchFamily="18" charset="0"/>
+            </a:endParaRPr>
+          </a:p>
+          <a:p>
+            <a:pPr marL="0" indent="0" algn="just">
+              <a:buNone/>
+            </a:pPr>
+            <a:r>
+              <a:rPr lang="en-US" sz="2400" dirty="0" err="1">
+                <a:solidFill>
+                  <a:srgbClr val="7030A0"/>
+                </a:solidFill>
+                <a:latin typeface="Times New Roman" panose="02020603050405020304" pitchFamily="18" charset="0"/>
+                <a:cs typeface="Times New Roman" panose="02020603050405020304" pitchFamily="18" charset="0"/>
+              </a:rPr>
+              <a:t>Linkedin</a:t>
+            </a:r>
+            <a:r>
+              <a:rPr lang="en-US" sz="2400" dirty="0">
+                <a:solidFill>
+                  <a:srgbClr val="7030A0"/>
+                </a:solidFill>
+                <a:latin typeface="Times New Roman" panose="02020603050405020304" pitchFamily="18" charset="0"/>
+                <a:cs typeface="Times New Roman" panose="02020603050405020304" pitchFamily="18" charset="0"/>
+              </a:rPr>
+              <a:t>: Eric </a:t>
+            </a:r>
+            <a:r>
+              <a:rPr lang="en-US" sz="2400" dirty="0" err="1">
+                <a:solidFill>
+                  <a:srgbClr val="7030A0"/>
+                </a:solidFill>
+                <a:latin typeface="Times New Roman" panose="02020603050405020304" pitchFamily="18" charset="0"/>
+                <a:cs typeface="Times New Roman" panose="02020603050405020304" pitchFamily="18" charset="0"/>
+              </a:rPr>
+              <a:t>Maiben</a:t>
+            </a:r>
+            <a:endParaRPr lang="en-US" sz="2400" dirty="0">
+              <a:solidFill>
+                <a:srgbClr val="7030A0"/>
+              </a:solidFill>
+              <a:latin typeface="Times New Roman" panose="02020603050405020304" pitchFamily="18" charset="0"/>
+              <a:cs typeface="Times New Roman" panose="02020603050405020304" pitchFamily="18" charset="0"/>
+            </a:endParaRPr>
+          </a:p>
+          <a:p>
+            <a:pPr marL="0" indent="0" algn="just">
+              <a:buNone/>
+            </a:pPr>
+            <a:endParaRPr lang="en-US" dirty="0"/>
+          </a:p>
+          <a:p>
+            <a:endParaRPr lang="en-US" dirty="0"/>
+          </a:p>
+        </p:txBody>
+      </p:sp>
+    </p:spTree>
+    <p:extLst>
+      <p:ext uri="{BB962C8B-B14F-4D97-AF65-F5344CB8AC3E}">
+        <p14:creationId xmlns:p14="http://schemas.microsoft.com/office/powerpoint/2010/main" val="2870115307"/>
+      </p:ext>
+    </p:extLst>
+  </p:cSld>
+  <p:clrMapOvr>
+    <a:masterClrMapping/>
+  </p:clrMapOvr>
+</p:sld>
+</file>
+
+<file path=ppt/slides/slide10.xml><?xml version="1.0" encoding="utf-8"?>
+<p:sld xmlns:a="http://schemas.openxmlformats.org/drawingml/2006/main" xmlns:r="http://schemas.openxmlformats.org/officeDocument/2006/relationships" xmlns:p="http://schemas.openxmlformats.org/presentationml/2006/main">
+  <p:cSld>
+    <p:spTree>
+      <p:nvGrpSpPr>
+        <p:cNvPr id="1" name=""/>
+        <p:cNvGrpSpPr/>
+        <p:nvPr/>
+      </p:nvGrpSpPr>
+      <p:grpSpPr>
+        <a:xfrm>
+          <a:off x="0" y="0"/>
+          <a:ext cx="0" cy="0"/>
+          <a:chOff x="0" y="0"/>
+          <a:chExt cx="0" cy="0"/>
+        </a:xfrm>
+      </p:grpSpPr>
+      <p:sp>
+        <p:nvSpPr>
+          <p:cNvPr id="2" name="Title 1">
+            <a:extLst>
+              <a:ext uri="{FF2B5EF4-FFF2-40B4-BE49-F238E27FC236}">
+                <a16:creationId xmlns:a16="http://schemas.microsoft.com/office/drawing/2014/main" id="{32A751D4-FDD2-421F-8400-9A7FD4F4DD44}"/>
+              </a:ext>
+            </a:extLst>
+          </p:cNvPr>
+          <p:cNvSpPr>
+            <a:spLocks noGrp="1"/>
+          </p:cNvSpPr>
+          <p:nvPr>
+            <p:ph type="title"/>
+          </p:nvPr>
+        </p:nvSpPr>
+        <p:spPr/>
+        <p:txBody>
+          <a:bodyPr/>
+          <a:lstStyle/>
+          <a:p>
+            <a:r>
+              <a:rPr lang="en-US" dirty="0"/>
+              <a:t>Thank You</a:t>
+            </a:r>
+          </a:p>
+        </p:txBody>
+      </p:sp>
+      <p:sp>
+        <p:nvSpPr>
+          <p:cNvPr id="3" name="Content Placeholder 2">
+            <a:extLst>
+              <a:ext uri="{FF2B5EF4-FFF2-40B4-BE49-F238E27FC236}">
+                <a16:creationId xmlns:a16="http://schemas.microsoft.com/office/drawing/2014/main" id="{92448D29-FD33-4203-B2C3-1CBB336B425A}"/>
+              </a:ext>
+            </a:extLst>
+          </p:cNvPr>
+          <p:cNvSpPr>
+            <a:spLocks noGrp="1"/>
+          </p:cNvSpPr>
+          <p:nvPr>
+            <p:ph idx="1"/>
+          </p:nvPr>
+        </p:nvSpPr>
+        <p:spPr>
+          <a:xfrm>
+            <a:off x="864382" y="2489199"/>
+            <a:ext cx="6345260" cy="1504732"/>
+          </a:xfrm>
+        </p:spPr>
+        <p:txBody>
+          <a:bodyPr>
+            <a:normAutofit/>
+          </a:bodyPr>
+          <a:lstStyle/>
+          <a:p>
+            <a:pPr algn="ctr"/>
+            <a:r>
+              <a:rPr lang="en-US" sz="5400" dirty="0"/>
+              <a:t>Q&amp; A </a:t>
+            </a:r>
+          </a:p>
+          <a:p>
+            <a:endParaRPr lang="en-US" dirty="0"/>
+          </a:p>
+          <a:p>
+            <a:endParaRPr lang="en-US" dirty="0"/>
+          </a:p>
+          <a:p>
+            <a:endParaRPr lang="en-US" dirty="0"/>
+          </a:p>
+          <a:p>
+            <a:endParaRPr lang="en-US" dirty="0"/>
+          </a:p>
+          <a:p>
+            <a:endParaRPr lang="en-US" dirty="0"/>
+          </a:p>
+        </p:txBody>
+      </p:sp>
+      <p:sp>
+        <p:nvSpPr>
+          <p:cNvPr id="4" name="TextBox 3">
+            <a:extLst>
+              <a:ext uri="{FF2B5EF4-FFF2-40B4-BE49-F238E27FC236}">
+                <a16:creationId xmlns:a16="http://schemas.microsoft.com/office/drawing/2014/main" id="{CD418056-D435-4ED5-ACA9-4300D017D128}"/>
+              </a:ext>
+            </a:extLst>
+          </p:cNvPr>
+          <p:cNvSpPr txBox="1"/>
+          <p:nvPr/>
+        </p:nvSpPr>
+        <p:spPr>
+          <a:xfrm>
+            <a:off x="609600" y="4897820"/>
+            <a:ext cx="7598979" cy="1323439"/>
+          </a:xfrm>
+          <a:prstGeom prst="rect">
+            <a:avLst/>
+          </a:prstGeom>
+          <a:noFill/>
+        </p:spPr>
+        <p:txBody>
+          <a:bodyPr wrap="square" rtlCol="0">
+            <a:spAutoFit/>
+          </a:bodyPr>
+          <a:lstStyle/>
+          <a:p>
+            <a:r>
+              <a:rPr lang="en-US" sz="2000" dirty="0">
+                <a:solidFill>
+                  <a:srgbClr val="0070C0"/>
+                </a:solidFill>
+              </a:rPr>
+              <a:t>Eric </a:t>
+            </a:r>
+            <a:r>
+              <a:rPr lang="en-US" sz="2000" dirty="0" err="1">
+                <a:solidFill>
+                  <a:srgbClr val="0070C0"/>
+                </a:solidFill>
+              </a:rPr>
+              <a:t>Maiben</a:t>
+            </a:r>
+            <a:r>
+              <a:rPr lang="en-US" sz="2000" dirty="0">
+                <a:solidFill>
+                  <a:srgbClr val="0070C0"/>
+                </a:solidFill>
+              </a:rPr>
+              <a:t> </a:t>
+            </a:r>
+            <a:r>
+              <a:rPr lang="en-US" sz="2000" dirty="0" err="1">
+                <a:solidFill>
+                  <a:srgbClr val="0070C0"/>
+                </a:solidFill>
+              </a:rPr>
+              <a:t>Okacha</a:t>
+            </a:r>
+            <a:r>
+              <a:rPr lang="en-US" sz="2000" dirty="0">
+                <a:solidFill>
+                  <a:srgbClr val="0070C0"/>
+                </a:solidFill>
+              </a:rPr>
+              <a:t>- Data Scientist</a:t>
+            </a:r>
+          </a:p>
+          <a:p>
+            <a:r>
+              <a:rPr lang="en-US" sz="2000" dirty="0">
+                <a:solidFill>
+                  <a:srgbClr val="0070C0"/>
+                </a:solidFill>
+              </a:rPr>
+              <a:t>Moringa School</a:t>
+            </a:r>
+          </a:p>
+          <a:p>
+            <a:r>
+              <a:rPr lang="en-US" sz="2000" dirty="0" err="1">
+                <a:solidFill>
+                  <a:srgbClr val="0070C0"/>
+                </a:solidFill>
+              </a:rPr>
+              <a:t>Linkendin</a:t>
+            </a:r>
+            <a:r>
+              <a:rPr lang="en-US" sz="2000" dirty="0">
+                <a:solidFill>
+                  <a:srgbClr val="0070C0"/>
+                </a:solidFill>
+              </a:rPr>
+              <a:t> Profile : </a:t>
+            </a:r>
+            <a:r>
+              <a:rPr lang="en-US" sz="2000" dirty="0" err="1">
+                <a:solidFill>
+                  <a:srgbClr val="0070C0"/>
+                </a:solidFill>
+              </a:rPr>
+              <a:t>Maiben</a:t>
+            </a:r>
+            <a:r>
+              <a:rPr lang="en-US" sz="2000" dirty="0">
+                <a:solidFill>
+                  <a:srgbClr val="0070C0"/>
+                </a:solidFill>
+              </a:rPr>
+              <a:t> Eric</a:t>
+            </a:r>
+          </a:p>
+          <a:p>
+            <a:r>
+              <a:rPr lang="en-US" sz="2000" dirty="0" err="1">
+                <a:solidFill>
+                  <a:srgbClr val="0070C0"/>
+                </a:solidFill>
+              </a:rPr>
+              <a:t>Email:eric.okacha@student.moringaschool.com</a:t>
+            </a:r>
+            <a:endParaRPr lang="en-US" sz="2000" dirty="0">
+              <a:solidFill>
+                <a:srgbClr val="0070C0"/>
+              </a:solidFill>
+            </a:endParaRPr>
+          </a:p>
+        </p:txBody>
+      </p:sp>
+    </p:spTree>
+    <p:extLst>
+      <p:ext uri="{BB962C8B-B14F-4D97-AF65-F5344CB8AC3E}">
+        <p14:creationId xmlns:p14="http://schemas.microsoft.com/office/powerpoint/2010/main" val="3030728083"/>
+      </p:ext>
+    </p:extLst>
+  </p:cSld>
+  <p:clrMapOvr>
+    <a:masterClrMapping/>
+  </p:clrMapOvr>
+</p:sld>
+</file>
+
+<file path=ppt/slides/slide2.xml><?xml version="1.0" encoding="utf-8"?>
+<p:sld xmlns:a="http://schemas.openxmlformats.org/drawingml/2006/main" xmlns:r="http://schemas.openxmlformats.org/officeDocument/2006/relationships" xmlns:p="http://schemas.openxmlformats.org/presentationml/2006/main">
+  <p:cSld>
+    <p:spTree>
+      <p:nvGrpSpPr>
+        <p:cNvPr id="1" name=""/>
+        <p:cNvGrpSpPr/>
+        <p:nvPr/>
+      </p:nvGrpSpPr>
+      <p:grpSpPr>
+        <a:xfrm>
+          <a:off x="0" y="0"/>
+          <a:ext cx="0" cy="0"/>
+          <a:chOff x="0" y="0"/>
+          <a:chExt cx="0" cy="0"/>
+        </a:xfrm>
+      </p:grpSpPr>
+      <p:sp>
+        <p:nvSpPr>
           <p:cNvPr id="2" name="Title 1"/>
           <p:cNvSpPr>
             <a:spLocks noGrp="1"/>
@@ -13656,13 +14173,13 @@
   <p:clrMapOvr>
     <a:masterClrMapping/>
   </p:clrMapOvr>
-  <mc:AlternateContent xmlns:mc="http://schemas.openxmlformats.org/markup-compatibility/2006">
-    <mc:Choice xmlns:p14="http://schemas.microsoft.com/office/powerpoint/2010/main" Requires="p14">
+  <mc:AlternateContent xmlns:mc="http://schemas.openxmlformats.org/markup-compatibility/2006" xmlns:p14="http://schemas.microsoft.com/office/powerpoint/2010/main">
+    <mc:Choice Requires="p14">
       <p:transition spd="slow" p14:dur="1500">
         <p:split orient="vert"/>
       </p:transition>
     </mc:Choice>
-    <mc:Fallback>
+    <mc:Fallback xmlns="">
       <p:transition spd="slow">
         <p:split orient="vert"/>
       </p:transition>
@@ -13671,7 +14188,221 @@
 </p:sld>
 </file>
 
-<file path=ppt/slides/slide2.xml><?xml version="1.0" encoding="utf-8"?>
+<file path=ppt/slides/slide3.xml><?xml version="1.0" encoding="utf-8"?>
+<p:sld xmlns:a="http://schemas.openxmlformats.org/drawingml/2006/main" xmlns:r="http://schemas.openxmlformats.org/officeDocument/2006/relationships" xmlns:p="http://schemas.openxmlformats.org/presentationml/2006/main">
+  <p:cSld>
+    <p:spTree>
+      <p:nvGrpSpPr>
+        <p:cNvPr id="1" name=""/>
+        <p:cNvGrpSpPr/>
+        <p:nvPr/>
+      </p:nvGrpSpPr>
+      <p:grpSpPr>
+        <a:xfrm>
+          <a:off x="0" y="0"/>
+          <a:ext cx="0" cy="0"/>
+          <a:chOff x="0" y="0"/>
+          <a:chExt cx="0" cy="0"/>
+        </a:xfrm>
+      </p:grpSpPr>
+      <p:sp>
+        <p:nvSpPr>
+          <p:cNvPr id="2" name="Title 1">
+            <a:extLst>
+              <a:ext uri="{FF2B5EF4-FFF2-40B4-BE49-F238E27FC236}">
+                <a16:creationId xmlns:a16="http://schemas.microsoft.com/office/drawing/2014/main" id="{11ADA5B0-8DF2-4F39-93F1-7D8733F28789}"/>
+              </a:ext>
+            </a:extLst>
+          </p:cNvPr>
+          <p:cNvSpPr>
+            <a:spLocks noGrp="1"/>
+          </p:cNvSpPr>
+          <p:nvPr>
+            <p:ph type="title"/>
+          </p:nvPr>
+        </p:nvSpPr>
+        <p:spPr/>
+        <p:txBody>
+          <a:bodyPr/>
+          <a:lstStyle/>
+          <a:p>
+            <a:r>
+              <a:rPr lang="en-US" dirty="0" err="1"/>
+              <a:t>Explatory</a:t>
+            </a:r>
+            <a:r>
+              <a:rPr lang="en-US" dirty="0"/>
+              <a:t> Data Analysis</a:t>
+            </a:r>
+          </a:p>
+        </p:txBody>
+      </p:sp>
+      <p:sp>
+        <p:nvSpPr>
+          <p:cNvPr id="3" name="Content Placeholder 2">
+            <a:extLst>
+              <a:ext uri="{FF2B5EF4-FFF2-40B4-BE49-F238E27FC236}">
+                <a16:creationId xmlns:a16="http://schemas.microsoft.com/office/drawing/2014/main" id="{46B7C829-DB41-48B0-9815-2657E835A8FF}"/>
+              </a:ext>
+            </a:extLst>
+          </p:cNvPr>
+          <p:cNvSpPr>
+            <a:spLocks noGrp="1"/>
+          </p:cNvSpPr>
+          <p:nvPr>
+            <p:ph idx="1"/>
+          </p:nvPr>
+        </p:nvSpPr>
+        <p:spPr/>
+        <p:txBody>
+          <a:bodyPr/>
+          <a:lstStyle/>
+          <a:p>
+            <a:r>
+              <a:rPr lang="en-US" dirty="0"/>
+              <a:t>In Analyzing our data we use Python </a:t>
+            </a:r>
+            <a:r>
+              <a:rPr lang="en-US" dirty="0" err="1"/>
+              <a:t>Liabraries-Pandas,Numpy,Matplotlib,Scikit</a:t>
+            </a:r>
+            <a:r>
+              <a:rPr lang="en-US" dirty="0"/>
+              <a:t> Learn and Seaborn</a:t>
+            </a:r>
+          </a:p>
+          <a:p>
+            <a:endParaRPr lang="en-US" dirty="0"/>
+          </a:p>
+          <a:p>
+            <a:r>
+              <a:rPr lang="en-US" dirty="0"/>
+              <a:t>The Water Pump data is derived from the </a:t>
+            </a:r>
+            <a:r>
+              <a:rPr lang="en-US" dirty="0" err="1"/>
+              <a:t>DataDriven</a:t>
+            </a:r>
+            <a:r>
+              <a:rPr lang="en-US" dirty="0"/>
+              <a:t> open source platform for data science. </a:t>
+            </a:r>
+          </a:p>
+          <a:p>
+            <a:endParaRPr lang="en-US" dirty="0"/>
+          </a:p>
+          <a:p>
+            <a:r>
+              <a:rPr lang="en-US" dirty="0"/>
+              <a:t>We check the relationship between pump functionality and number of waterpoints by plotting bar graphs</a:t>
+            </a:r>
+          </a:p>
+          <a:p>
+            <a:endParaRPr lang="en-US" dirty="0"/>
+          </a:p>
+        </p:txBody>
+      </p:sp>
+    </p:spTree>
+    <p:extLst>
+      <p:ext uri="{BB962C8B-B14F-4D97-AF65-F5344CB8AC3E}">
+        <p14:creationId xmlns:p14="http://schemas.microsoft.com/office/powerpoint/2010/main" val="1413682259"/>
+      </p:ext>
+    </p:extLst>
+  </p:cSld>
+  <p:clrMapOvr>
+    <a:masterClrMapping/>
+  </p:clrMapOvr>
+</p:sld>
+</file>
+
+<file path=ppt/slides/slide4.xml><?xml version="1.0" encoding="utf-8"?>
+<p:sld xmlns:a="http://schemas.openxmlformats.org/drawingml/2006/main" xmlns:r="http://schemas.openxmlformats.org/officeDocument/2006/relationships" xmlns:p="http://schemas.openxmlformats.org/presentationml/2006/main">
+  <p:cSld>
+    <p:spTree>
+      <p:nvGrpSpPr>
+        <p:cNvPr id="1" name=""/>
+        <p:cNvGrpSpPr/>
+        <p:nvPr/>
+      </p:nvGrpSpPr>
+      <p:grpSpPr>
+        <a:xfrm>
+          <a:off x="0" y="0"/>
+          <a:ext cx="0" cy="0"/>
+          <a:chOff x="0" y="0"/>
+          <a:chExt cx="0" cy="0"/>
+        </a:xfrm>
+      </p:grpSpPr>
+      <p:sp>
+        <p:nvSpPr>
+          <p:cNvPr id="2" name="Title 1">
+            <a:extLst>
+              <a:ext uri="{FF2B5EF4-FFF2-40B4-BE49-F238E27FC236}">
+                <a16:creationId xmlns:a16="http://schemas.microsoft.com/office/drawing/2014/main" id="{5C84734C-444A-409F-A704-C606A0F1C068}"/>
+              </a:ext>
+            </a:extLst>
+          </p:cNvPr>
+          <p:cNvSpPr>
+            <a:spLocks noGrp="1"/>
+          </p:cNvSpPr>
+          <p:nvPr>
+            <p:ph type="title"/>
+          </p:nvPr>
+        </p:nvSpPr>
+        <p:spPr/>
+        <p:txBody>
+          <a:bodyPr/>
+          <a:lstStyle/>
+          <a:p>
+            <a:r>
+              <a:rPr lang="en-US" dirty="0"/>
+              <a:t>Bar Graph</a:t>
+            </a:r>
+          </a:p>
+        </p:txBody>
+      </p:sp>
+      <p:pic>
+        <p:nvPicPr>
+          <p:cNvPr id="5" name="Content Placeholder 4">
+            <a:extLst>
+              <a:ext uri="{FF2B5EF4-FFF2-40B4-BE49-F238E27FC236}">
+                <a16:creationId xmlns:a16="http://schemas.microsoft.com/office/drawing/2014/main" id="{4CC77305-34BF-402E-8D5B-89FBBDFF860B}"/>
+              </a:ext>
+            </a:extLst>
+          </p:cNvPr>
+          <p:cNvPicPr>
+            <a:picLocks noGrp="1" noChangeAspect="1"/>
+          </p:cNvPicPr>
+          <p:nvPr>
+            <p:ph idx="1"/>
+          </p:nvPr>
+        </p:nvPicPr>
+        <p:blipFill>
+          <a:blip r:embed="rId2"/>
+          <a:stretch>
+            <a:fillRect/>
+          </a:stretch>
+        </p:blipFill>
+        <p:spPr>
+          <a:xfrm>
+            <a:off x="1235769" y="2489200"/>
+            <a:ext cx="5602487" cy="3530600"/>
+          </a:xfrm>
+        </p:spPr>
+      </p:pic>
+    </p:spTree>
+    <p:extLst>
+      <p:ext uri="{BB962C8B-B14F-4D97-AF65-F5344CB8AC3E}">
+        <p14:creationId xmlns:p14="http://schemas.microsoft.com/office/powerpoint/2010/main" val="3459966751"/>
+      </p:ext>
+    </p:extLst>
+  </p:cSld>
+  <p:clrMapOvr>
+    <a:masterClrMapping/>
+  </p:clrMapOvr>
+</p:sld>
+</file>
+
+<file path=ppt/slides/slide5.xml><?xml version="1.0" encoding="utf-8"?>
 <p:sld xmlns:a="http://schemas.openxmlformats.org/drawingml/2006/main" xmlns:r="http://schemas.openxmlformats.org/officeDocument/2006/relationships" xmlns:p="http://schemas.openxmlformats.org/presentationml/2006/main">
   <p:cSld>
     <p:spTree>
@@ -13790,7 +14521,577 @@
 </p:sld>
 </file>
 
-<file path=ppt/slides/slide3.xml><?xml version="1.0" encoding="utf-8"?>
+<file path=ppt/slides/slide6.xml><?xml version="1.0" encoding="utf-8"?>
+<p:sld xmlns:a="http://schemas.openxmlformats.org/drawingml/2006/main" xmlns:r="http://schemas.openxmlformats.org/officeDocument/2006/relationships" xmlns:p="http://schemas.openxmlformats.org/presentationml/2006/main">
+  <p:cSld>
+    <p:spTree>
+      <p:nvGrpSpPr>
+        <p:cNvPr id="1" name=""/>
+        <p:cNvGrpSpPr/>
+        <p:nvPr/>
+      </p:nvGrpSpPr>
+      <p:grpSpPr>
+        <a:xfrm>
+          <a:off x="0" y="0"/>
+          <a:ext cx="0" cy="0"/>
+          <a:chOff x="0" y="0"/>
+          <a:chExt cx="0" cy="0"/>
+        </a:xfrm>
+      </p:grpSpPr>
+      <p:sp>
+        <p:nvSpPr>
+          <p:cNvPr id="2" name="Title 1">
+            <a:extLst>
+              <a:ext uri="{FF2B5EF4-FFF2-40B4-BE49-F238E27FC236}">
+                <a16:creationId xmlns:a16="http://schemas.microsoft.com/office/drawing/2014/main" id="{0F554451-1477-4B07-ACCB-E441A45ECCB6}"/>
+              </a:ext>
+            </a:extLst>
+          </p:cNvPr>
+          <p:cNvSpPr>
+            <a:spLocks noGrp="1"/>
+          </p:cNvSpPr>
+          <p:nvPr>
+            <p:ph type="title"/>
+          </p:nvPr>
+        </p:nvSpPr>
+        <p:spPr/>
+        <p:txBody>
+          <a:bodyPr/>
+          <a:lstStyle/>
+          <a:p>
+            <a:r>
+              <a:rPr lang="en-US" dirty="0"/>
+              <a:t>Model </a:t>
+            </a:r>
+            <a:r>
+              <a:rPr lang="en-US" dirty="0" err="1"/>
+              <a:t>Perfomance</a:t>
+            </a:r>
+            <a:endParaRPr lang="en-US" dirty="0"/>
+          </a:p>
+        </p:txBody>
+      </p:sp>
+      <p:graphicFrame>
+        <p:nvGraphicFramePr>
+          <p:cNvPr id="4" name="Content Placeholder 3">
+            <a:extLst>
+              <a:ext uri="{FF2B5EF4-FFF2-40B4-BE49-F238E27FC236}">
+                <a16:creationId xmlns:a16="http://schemas.microsoft.com/office/drawing/2014/main" id="{34F72070-3EE2-422C-9E72-AB0F2AC8157F}"/>
+              </a:ext>
+            </a:extLst>
+          </p:cNvPr>
+          <p:cNvGraphicFramePr>
+            <a:graphicFrameLocks noGrp="1"/>
+          </p:cNvGraphicFramePr>
+          <p:nvPr>
+            <p:ph idx="1"/>
+            <p:extLst>
+              <p:ext uri="{D42A27DB-BD31-4B8C-83A1-F6EECF244321}">
+                <p14:modId xmlns:p14="http://schemas.microsoft.com/office/powerpoint/2010/main" val="3615432817"/>
+              </p:ext>
+            </p:extLst>
+          </p:nvPr>
+        </p:nvGraphicFramePr>
+        <p:xfrm>
+          <a:off x="641130" y="2489199"/>
+          <a:ext cx="7577960" cy="3943132"/>
+        </p:xfrm>
+        <a:graphic>
+          <a:graphicData uri="http://schemas.openxmlformats.org/drawingml/2006/table">
+            <a:tbl>
+              <a:tblPr/>
+              <a:tblGrid>
+                <a:gridCol w="1894490">
+                  <a:extLst>
+                    <a:ext uri="{9D8B030D-6E8A-4147-A177-3AD203B41FA5}">
+                      <a16:colId xmlns:a16="http://schemas.microsoft.com/office/drawing/2014/main" val="3114793384"/>
+                    </a:ext>
+                  </a:extLst>
+                </a:gridCol>
+                <a:gridCol w="1894490">
+                  <a:extLst>
+                    <a:ext uri="{9D8B030D-6E8A-4147-A177-3AD203B41FA5}">
+                      <a16:colId xmlns:a16="http://schemas.microsoft.com/office/drawing/2014/main" val="3170402121"/>
+                    </a:ext>
+                  </a:extLst>
+                </a:gridCol>
+                <a:gridCol w="1894490">
+                  <a:extLst>
+                    <a:ext uri="{9D8B030D-6E8A-4147-A177-3AD203B41FA5}">
+                      <a16:colId xmlns:a16="http://schemas.microsoft.com/office/drawing/2014/main" val="1131660539"/>
+                    </a:ext>
+                  </a:extLst>
+                </a:gridCol>
+                <a:gridCol w="1894490">
+                  <a:extLst>
+                    <a:ext uri="{9D8B030D-6E8A-4147-A177-3AD203B41FA5}">
+                      <a16:colId xmlns:a16="http://schemas.microsoft.com/office/drawing/2014/main" val="520809121"/>
+                    </a:ext>
+                  </a:extLst>
+                </a:gridCol>
+              </a:tblGrid>
+              <a:tr h="394313">
+                <a:tc>
+                  <a:txBody>
+                    <a:bodyPr/>
+                    <a:lstStyle/>
+                    <a:p>
+                      <a:r>
+                        <a:rPr lang="en-US" sz="1700" b="1" dirty="0"/>
+                        <a:t>Label</a:t>
+                      </a:r>
+                    </a:p>
+                  </a:txBody>
+                  <a:tcPr marL="88265" marR="88265" marT="44132" marB="44132" anchor="ctr">
+                    <a:lnL>
+                      <a:noFill/>
+                    </a:lnL>
+                    <a:lnR>
+                      <a:noFill/>
+                    </a:lnR>
+                    <a:lnT>
+                      <a:noFill/>
+                    </a:lnT>
+                    <a:lnB>
+                      <a:noFill/>
+                    </a:lnB>
+                  </a:tcPr>
+                </a:tc>
+                <a:tc>
+                  <a:txBody>
+                    <a:bodyPr/>
+                    <a:lstStyle/>
+                    <a:p>
+                      <a:r>
+                        <a:rPr lang="en-US" sz="1700" b="1" dirty="0"/>
+                        <a:t>Meaning</a:t>
+                      </a:r>
+                    </a:p>
+                  </a:txBody>
+                  <a:tcPr marL="88265" marR="88265" marT="44132" marB="44132" anchor="ctr">
+                    <a:lnL>
+                      <a:noFill/>
+                    </a:lnL>
+                    <a:lnR>
+                      <a:noFill/>
+                    </a:lnR>
+                    <a:lnT>
+                      <a:noFill/>
+                    </a:lnT>
+                    <a:lnB>
+                      <a:noFill/>
+                    </a:lnB>
+                  </a:tcPr>
+                </a:tc>
+                <a:tc>
+                  <a:txBody>
+                    <a:bodyPr/>
+                    <a:lstStyle/>
+                    <a:p>
+                      <a:r>
+                        <a:rPr lang="en-US" sz="1700" b="1" dirty="0"/>
+                        <a:t>F1-Score</a:t>
+                      </a:r>
+                    </a:p>
+                  </a:txBody>
+                  <a:tcPr marL="88265" marR="88265" marT="44132" marB="44132" anchor="ctr">
+                    <a:lnL>
+                      <a:noFill/>
+                    </a:lnL>
+                    <a:lnR>
+                      <a:noFill/>
+                    </a:lnR>
+                    <a:lnT>
+                      <a:noFill/>
+                    </a:lnT>
+                    <a:lnB>
+                      <a:noFill/>
+                    </a:lnB>
+                  </a:tcPr>
+                </a:tc>
+                <a:tc>
+                  <a:txBody>
+                    <a:bodyPr/>
+                    <a:lstStyle/>
+                    <a:p>
+                      <a:r>
+                        <a:rPr lang="en-US" sz="1700" b="1" dirty="0"/>
+                        <a:t>Comments</a:t>
+                      </a:r>
+                    </a:p>
+                  </a:txBody>
+                  <a:tcPr marL="88265" marR="88265" marT="44132" marB="44132" anchor="ctr">
+                    <a:lnL>
+                      <a:noFill/>
+                    </a:lnL>
+                    <a:lnR>
+                      <a:noFill/>
+                    </a:lnR>
+                    <a:lnT>
+                      <a:noFill/>
+                    </a:lnT>
+                    <a:lnB>
+                      <a:noFill/>
+                    </a:lnB>
+                  </a:tcPr>
+                </a:tc>
+                <a:extLst>
+                  <a:ext uri="{0D108BD9-81ED-4DB2-BD59-A6C34878D82A}">
+                    <a16:rowId xmlns:a16="http://schemas.microsoft.com/office/drawing/2014/main" val="682635057"/>
+                  </a:ext>
+                </a:extLst>
+              </a:tr>
+              <a:tr h="985783">
+                <a:tc>
+                  <a:txBody>
+                    <a:bodyPr/>
+                    <a:lstStyle/>
+                    <a:p>
+                      <a:r>
+                        <a:rPr lang="en-US" sz="1700"/>
+                        <a:t>0</a:t>
+                      </a:r>
+                    </a:p>
+                  </a:txBody>
+                  <a:tcPr marL="88265" marR="88265" marT="44132" marB="44132" anchor="ctr">
+                    <a:lnL>
+                      <a:noFill/>
+                    </a:lnL>
+                    <a:lnR>
+                      <a:noFill/>
+                    </a:lnR>
+                    <a:lnT>
+                      <a:noFill/>
+                    </a:lnT>
+                    <a:lnB>
+                      <a:noFill/>
+                    </a:lnB>
+                  </a:tcPr>
+                </a:tc>
+                <a:tc>
+                  <a:txBody>
+                    <a:bodyPr/>
+                    <a:lstStyle/>
+                    <a:p>
+                      <a:r>
+                        <a:rPr lang="en-US" sz="1700"/>
+                        <a:t>Functional</a:t>
+                      </a:r>
+                    </a:p>
+                  </a:txBody>
+                  <a:tcPr marL="88265" marR="88265" marT="44132" marB="44132" anchor="ctr">
+                    <a:lnL>
+                      <a:noFill/>
+                    </a:lnL>
+                    <a:lnR>
+                      <a:noFill/>
+                    </a:lnR>
+                    <a:lnT>
+                      <a:noFill/>
+                    </a:lnT>
+                    <a:lnB>
+                      <a:noFill/>
+                    </a:lnB>
+                  </a:tcPr>
+                </a:tc>
+                <a:tc>
+                  <a:txBody>
+                    <a:bodyPr/>
+                    <a:lstStyle/>
+                    <a:p>
+                      <a:r>
+                        <a:rPr lang="en-US" sz="1700"/>
+                        <a:t>0.85</a:t>
+                      </a:r>
+                    </a:p>
+                  </a:txBody>
+                  <a:tcPr marL="88265" marR="88265" marT="44132" marB="44132" anchor="ctr">
+                    <a:lnL>
+                      <a:noFill/>
+                    </a:lnL>
+                    <a:lnR>
+                      <a:noFill/>
+                    </a:lnR>
+                    <a:lnT>
+                      <a:noFill/>
+                    </a:lnT>
+                    <a:lnB>
+                      <a:noFill/>
+                    </a:lnB>
+                  </a:tcPr>
+                </a:tc>
+                <a:tc>
+                  <a:txBody>
+                    <a:bodyPr/>
+                    <a:lstStyle/>
+                    <a:p>
+                      <a:r>
+                        <a:rPr lang="en-US" sz="1700"/>
+                        <a:t>High precision &amp; recall</a:t>
+                      </a:r>
+                    </a:p>
+                  </a:txBody>
+                  <a:tcPr marL="88265" marR="88265" marT="44132" marB="44132" anchor="ctr">
+                    <a:lnL>
+                      <a:noFill/>
+                    </a:lnL>
+                    <a:lnR>
+                      <a:noFill/>
+                    </a:lnR>
+                    <a:lnT>
+                      <a:noFill/>
+                    </a:lnT>
+                    <a:lnB>
+                      <a:noFill/>
+                    </a:lnB>
+                  </a:tcPr>
+                </a:tc>
+                <a:extLst>
+                  <a:ext uri="{0D108BD9-81ED-4DB2-BD59-A6C34878D82A}">
+                    <a16:rowId xmlns:a16="http://schemas.microsoft.com/office/drawing/2014/main" val="3022445975"/>
+                  </a:ext>
+                </a:extLst>
+              </a:tr>
+              <a:tr h="1281518">
+                <a:tc>
+                  <a:txBody>
+                    <a:bodyPr/>
+                    <a:lstStyle/>
+                    <a:p>
+                      <a:r>
+                        <a:rPr lang="en-US" sz="1700"/>
+                        <a:t>1</a:t>
+                      </a:r>
+                    </a:p>
+                  </a:txBody>
+                  <a:tcPr marL="88265" marR="88265" marT="44132" marB="44132" anchor="ctr">
+                    <a:lnL>
+                      <a:noFill/>
+                    </a:lnL>
+                    <a:lnR>
+                      <a:noFill/>
+                    </a:lnR>
+                    <a:lnT>
+                      <a:noFill/>
+                    </a:lnT>
+                    <a:lnB>
+                      <a:noFill/>
+                    </a:lnB>
+                  </a:tcPr>
+                </a:tc>
+                <a:tc>
+                  <a:txBody>
+                    <a:bodyPr/>
+                    <a:lstStyle/>
+                    <a:p>
+                      <a:r>
+                        <a:rPr lang="en-US" sz="1700"/>
+                        <a:t>Functional needs repair</a:t>
+                      </a:r>
+                    </a:p>
+                  </a:txBody>
+                  <a:tcPr marL="88265" marR="88265" marT="44132" marB="44132" anchor="ctr">
+                    <a:lnL>
+                      <a:noFill/>
+                    </a:lnL>
+                    <a:lnR>
+                      <a:noFill/>
+                    </a:lnR>
+                    <a:lnT>
+                      <a:noFill/>
+                    </a:lnT>
+                    <a:lnB>
+                      <a:noFill/>
+                    </a:lnB>
+                  </a:tcPr>
+                </a:tc>
+                <a:tc>
+                  <a:txBody>
+                    <a:bodyPr/>
+                    <a:lstStyle/>
+                    <a:p>
+                      <a:r>
+                        <a:rPr lang="en-US" sz="1700" dirty="0"/>
+                        <a:t>0.41</a:t>
+                      </a:r>
+                    </a:p>
+                  </a:txBody>
+                  <a:tcPr marL="88265" marR="88265" marT="44132" marB="44132" anchor="ctr">
+                    <a:lnL>
+                      <a:noFill/>
+                    </a:lnL>
+                    <a:lnR>
+                      <a:noFill/>
+                    </a:lnR>
+                    <a:lnT>
+                      <a:noFill/>
+                    </a:lnT>
+                    <a:lnB>
+                      <a:noFill/>
+                    </a:lnB>
+                  </a:tcPr>
+                </a:tc>
+                <a:tc>
+                  <a:txBody>
+                    <a:bodyPr/>
+                    <a:lstStyle/>
+                    <a:p>
+                      <a:r>
+                        <a:rPr lang="en-US" sz="1700"/>
+                        <a:t>🚨 Low recall (33%) → often misclassified</a:t>
+                      </a:r>
+                    </a:p>
+                  </a:txBody>
+                  <a:tcPr marL="88265" marR="88265" marT="44132" marB="44132" anchor="ctr">
+                    <a:lnL>
+                      <a:noFill/>
+                    </a:lnL>
+                    <a:lnR>
+                      <a:noFill/>
+                    </a:lnR>
+                    <a:lnT>
+                      <a:noFill/>
+                    </a:lnT>
+                    <a:lnB>
+                      <a:noFill/>
+                    </a:lnB>
+                  </a:tcPr>
+                </a:tc>
+                <a:extLst>
+                  <a:ext uri="{0D108BD9-81ED-4DB2-BD59-A6C34878D82A}">
+                    <a16:rowId xmlns:a16="http://schemas.microsoft.com/office/drawing/2014/main" val="1418829527"/>
+                  </a:ext>
+                </a:extLst>
+              </a:tr>
+              <a:tr h="1281518">
+                <a:tc>
+                  <a:txBody>
+                    <a:bodyPr/>
+                    <a:lstStyle/>
+                    <a:p>
+                      <a:r>
+                        <a:rPr lang="en-US" sz="1700"/>
+                        <a:t>2</a:t>
+                      </a:r>
+                    </a:p>
+                  </a:txBody>
+                  <a:tcPr marL="88265" marR="88265" marT="44132" marB="44132" anchor="ctr">
+                    <a:lnL>
+                      <a:noFill/>
+                    </a:lnL>
+                    <a:lnR>
+                      <a:noFill/>
+                    </a:lnR>
+                    <a:lnT>
+                      <a:noFill/>
+                    </a:lnT>
+                    <a:lnB>
+                      <a:noFill/>
+                    </a:lnB>
+                  </a:tcPr>
+                </a:tc>
+                <a:tc>
+                  <a:txBody>
+                    <a:bodyPr/>
+                    <a:lstStyle/>
+                    <a:p>
+                      <a:r>
+                        <a:rPr lang="en-US" sz="1700"/>
+                        <a:t>Non-functional</a:t>
+                      </a:r>
+                    </a:p>
+                  </a:txBody>
+                  <a:tcPr marL="88265" marR="88265" marT="44132" marB="44132" anchor="ctr">
+                    <a:lnL>
+                      <a:noFill/>
+                    </a:lnL>
+                    <a:lnR>
+                      <a:noFill/>
+                    </a:lnR>
+                    <a:lnT>
+                      <a:noFill/>
+                    </a:lnT>
+                    <a:lnB>
+                      <a:noFill/>
+                    </a:lnB>
+                  </a:tcPr>
+                </a:tc>
+                <a:tc>
+                  <a:txBody>
+                    <a:bodyPr/>
+                    <a:lstStyle/>
+                    <a:p>
+                      <a:r>
+                        <a:rPr lang="en-US" sz="1700"/>
+                        <a:t>0.81</a:t>
+                      </a:r>
+                    </a:p>
+                  </a:txBody>
+                  <a:tcPr marL="88265" marR="88265" marT="44132" marB="44132" anchor="ctr">
+                    <a:lnL>
+                      <a:noFill/>
+                    </a:lnL>
+                    <a:lnR>
+                      <a:noFill/>
+                    </a:lnR>
+                    <a:lnT>
+                      <a:noFill/>
+                    </a:lnT>
+                    <a:lnB>
+                      <a:noFill/>
+                    </a:lnB>
+                  </a:tcPr>
+                </a:tc>
+                <a:tc>
+                  <a:txBody>
+                    <a:bodyPr/>
+                    <a:lstStyle/>
+                    <a:p>
+                      <a:r>
+                        <a:rPr lang="en-US" sz="1700" dirty="0"/>
+                        <a:t>Balanced, good performance</a:t>
+                      </a:r>
+                    </a:p>
+                  </a:txBody>
+                  <a:tcPr marL="88265" marR="88265" marT="44132" marB="44132" anchor="ctr">
+                    <a:lnL>
+                      <a:noFill/>
+                    </a:lnL>
+                    <a:lnR>
+                      <a:noFill/>
+                    </a:lnR>
+                    <a:lnT>
+                      <a:noFill/>
+                    </a:lnT>
+                    <a:lnB>
+                      <a:noFill/>
+                    </a:lnB>
+                  </a:tcPr>
+                </a:tc>
+                <a:extLst>
+                  <a:ext uri="{0D108BD9-81ED-4DB2-BD59-A6C34878D82A}">
+                    <a16:rowId xmlns:a16="http://schemas.microsoft.com/office/drawing/2014/main" val="3526070939"/>
+                  </a:ext>
+                </a:extLst>
+              </a:tr>
+            </a:tbl>
+          </a:graphicData>
+        </a:graphic>
+      </p:graphicFrame>
+    </p:spTree>
+    <p:extLst>
+      <p:ext uri="{BB962C8B-B14F-4D97-AF65-F5344CB8AC3E}">
+        <p14:creationId xmlns:p14="http://schemas.microsoft.com/office/powerpoint/2010/main" val="1921257629"/>
+      </p:ext>
+    </p:extLst>
+  </p:cSld>
+  <p:clrMapOvr>
+    <a:masterClrMapping/>
+  </p:clrMapOvr>
+</p:sld>
+</file>
+
+<file path=ppt/slides/slide7.xml><?xml version="1.0" encoding="utf-8"?>
 <p:sld xmlns:a="http://schemas.openxmlformats.org/drawingml/2006/main" xmlns:r="http://schemas.openxmlformats.org/officeDocument/2006/relationships" xmlns:p="http://schemas.openxmlformats.org/presentationml/2006/main">
   <p:cSld>
     <p:spTree>
@@ -13879,7 +15180,7 @@
 </p:sld>
 </file>
 
-<file path=ppt/slides/slide4.xml><?xml version="1.0" encoding="utf-8"?>
+<file path=ppt/slides/slide8.xml><?xml version="1.0" encoding="utf-8"?>
 <p:sld xmlns:a="http://schemas.openxmlformats.org/drawingml/2006/main" xmlns:r="http://schemas.openxmlformats.org/officeDocument/2006/relationships" xmlns:p="http://schemas.openxmlformats.org/presentationml/2006/main">
   <p:cSld>
     <p:spTree>
@@ -13989,7 +15290,7 @@
 </p:sld>
 </file>
 
-<file path=ppt/slides/slide5.xml><?xml version="1.0" encoding="utf-8"?>
+<file path=ppt/slides/slide9.xml><?xml version="1.0" encoding="utf-8"?>
 <p:sld xmlns:a="http://schemas.openxmlformats.org/drawingml/2006/main" xmlns:r="http://schemas.openxmlformats.org/officeDocument/2006/relationships" xmlns:p="http://schemas.openxmlformats.org/presentationml/2006/main">
   <p:cSld>
     <p:spTree>
@@ -14110,257 +15411,18 @@
   <p:clrMapOvr>
     <a:masterClrMapping/>
   </p:clrMapOvr>
-  <mc:AlternateContent xmlns:mc="http://schemas.openxmlformats.org/markup-compatibility/2006">
-    <mc:Choice xmlns:p159="http://schemas.microsoft.com/office/powerpoint/2015/09/main" Requires="p159">
+  <mc:AlternateContent xmlns:mc="http://schemas.openxmlformats.org/markup-compatibility/2006" xmlns:p159="http://schemas.microsoft.com/office/powerpoint/2015/09/main">
+    <mc:Choice Requires="p159">
       <p:transition xmlns:p14="http://schemas.microsoft.com/office/powerpoint/2010/main" spd="slow" p14:dur="2000">
         <p159:morph option="byObject"/>
       </p:transition>
     </mc:Choice>
-    <mc:Fallback>
+    <mc:Fallback xmlns="">
       <p:transition spd="slow">
         <p:fade/>
       </p:transition>
     </mc:Fallback>
   </mc:AlternateContent>
-</p:sld>
-</file>
-
-<file path=ppt/slides/slide6.xml><?xml version="1.0" encoding="utf-8"?>
-<p:sld xmlns:a="http://schemas.openxmlformats.org/drawingml/2006/main" xmlns:r="http://schemas.openxmlformats.org/officeDocument/2006/relationships" xmlns:p="http://schemas.openxmlformats.org/presentationml/2006/main">
-  <p:cSld>
-    <p:spTree>
-      <p:nvGrpSpPr>
-        <p:cNvPr id="1" name=""/>
-        <p:cNvGrpSpPr/>
-        <p:nvPr/>
-      </p:nvGrpSpPr>
-      <p:grpSpPr>
-        <a:xfrm>
-          <a:off x="0" y="0"/>
-          <a:ext cx="0" cy="0"/>
-          <a:chOff x="0" y="0"/>
-          <a:chExt cx="0" cy="0"/>
-        </a:xfrm>
-      </p:grpSpPr>
-      <p:sp>
-        <p:nvSpPr>
-          <p:cNvPr id="2" name="Title 1">
-            <a:extLst>
-              <a:ext uri="{FF2B5EF4-FFF2-40B4-BE49-F238E27FC236}">
-                <a16:creationId xmlns:a16="http://schemas.microsoft.com/office/drawing/2014/main" id="{32A751D4-FDD2-421F-8400-9A7FD4F4DD44}"/>
-              </a:ext>
-            </a:extLst>
-          </p:cNvPr>
-          <p:cNvSpPr>
-            <a:spLocks noGrp="1"/>
-          </p:cNvSpPr>
-          <p:nvPr>
-            <p:ph type="title"/>
-          </p:nvPr>
-        </p:nvSpPr>
-        <p:spPr/>
-        <p:txBody>
-          <a:bodyPr/>
-          <a:lstStyle/>
-          <a:p>
-            <a:r>
-              <a:rPr lang="en-US" dirty="0"/>
-              <a:t>Thank You</a:t>
-            </a:r>
-          </a:p>
-        </p:txBody>
-      </p:sp>
-      <p:sp>
-        <p:nvSpPr>
-          <p:cNvPr id="3" name="Content Placeholder 2">
-            <a:extLst>
-              <a:ext uri="{FF2B5EF4-FFF2-40B4-BE49-F238E27FC236}">
-                <a16:creationId xmlns:a16="http://schemas.microsoft.com/office/drawing/2014/main" id="{92448D29-FD33-4203-B2C3-1CBB336B425A}"/>
-              </a:ext>
-            </a:extLst>
-          </p:cNvPr>
-          <p:cNvSpPr>
-            <a:spLocks noGrp="1"/>
-          </p:cNvSpPr>
-          <p:nvPr>
-            <p:ph idx="1"/>
-          </p:nvPr>
-        </p:nvSpPr>
-        <p:spPr>
-          <a:xfrm>
-            <a:off x="864382" y="2489199"/>
-            <a:ext cx="6345260" cy="1504732"/>
-          </a:xfrm>
-        </p:spPr>
-        <p:txBody>
-          <a:bodyPr>
-            <a:normAutofit/>
-          </a:bodyPr>
-          <a:lstStyle/>
-          <a:p>
-            <a:pPr algn="ctr"/>
-            <a:r>
-              <a:rPr lang="en-US" sz="5400" dirty="0"/>
-              <a:t>Q&amp; A </a:t>
-            </a:r>
-          </a:p>
-          <a:p>
-            <a:endParaRPr lang="en-US" dirty="0"/>
-          </a:p>
-          <a:p>
-            <a:endParaRPr lang="en-US" dirty="0"/>
-          </a:p>
-          <a:p>
-            <a:endParaRPr lang="en-US" dirty="0"/>
-          </a:p>
-          <a:p>
-            <a:endParaRPr lang="en-US" dirty="0"/>
-          </a:p>
-          <a:p>
-            <a:endParaRPr lang="en-US" dirty="0"/>
-          </a:p>
-        </p:txBody>
-      </p:sp>
-      <p:sp>
-        <p:nvSpPr>
-          <p:cNvPr id="4" name="TextBox 3">
-            <a:extLst>
-              <a:ext uri="{FF2B5EF4-FFF2-40B4-BE49-F238E27FC236}">
-                <a16:creationId xmlns:a16="http://schemas.microsoft.com/office/drawing/2014/main" id="{CD418056-D435-4ED5-ACA9-4300D017D128}"/>
-              </a:ext>
-            </a:extLst>
-          </p:cNvPr>
-          <p:cNvSpPr txBox="1"/>
-          <p:nvPr/>
-        </p:nvSpPr>
-        <p:spPr>
-          <a:xfrm>
-            <a:off x="609600" y="4897820"/>
-            <a:ext cx="7598979" cy="1323439"/>
-          </a:xfrm>
-          <a:prstGeom prst="rect">
-            <a:avLst/>
-          </a:prstGeom>
-          <a:noFill/>
-        </p:spPr>
-        <p:txBody>
-          <a:bodyPr wrap="square" rtlCol="0">
-            <a:spAutoFit/>
-          </a:bodyPr>
-          <a:lstStyle/>
-          <a:p>
-            <a:r>
-              <a:rPr lang="en-US" sz="2000" dirty="0">
-                <a:solidFill>
-                  <a:srgbClr val="0070C0"/>
-                </a:solidFill>
-              </a:rPr>
-              <a:t>Eric </a:t>
-            </a:r>
-            <a:r>
-              <a:rPr lang="en-US" sz="2000" dirty="0" err="1">
-                <a:solidFill>
-                  <a:srgbClr val="0070C0"/>
-                </a:solidFill>
-              </a:rPr>
-              <a:t>Maiben</a:t>
-            </a:r>
-            <a:r>
-              <a:rPr lang="en-US" sz="2000" dirty="0">
-                <a:solidFill>
-                  <a:srgbClr val="0070C0"/>
-                </a:solidFill>
-              </a:rPr>
-              <a:t> </a:t>
-            </a:r>
-            <a:r>
-              <a:rPr lang="en-US" sz="2000" dirty="0" err="1">
-                <a:solidFill>
-                  <a:srgbClr val="0070C0"/>
-                </a:solidFill>
-              </a:rPr>
-              <a:t>Okacha</a:t>
-            </a:r>
-            <a:r>
-              <a:rPr lang="en-US" sz="2000" dirty="0">
-                <a:solidFill>
-                  <a:srgbClr val="0070C0"/>
-                </a:solidFill>
-              </a:rPr>
-              <a:t>- Data Scientist</a:t>
-            </a:r>
-          </a:p>
-          <a:p>
-            <a:r>
-              <a:rPr lang="en-US" sz="2000" dirty="0">
-                <a:solidFill>
-                  <a:srgbClr val="0070C0"/>
-                </a:solidFill>
-              </a:rPr>
-              <a:t>Moringa School</a:t>
-            </a:r>
-          </a:p>
-          <a:p>
-            <a:r>
-              <a:rPr lang="en-US" sz="2000" dirty="0" err="1">
-                <a:solidFill>
-                  <a:srgbClr val="0070C0"/>
-                </a:solidFill>
-              </a:rPr>
-              <a:t>Linkendin</a:t>
-            </a:r>
-            <a:r>
-              <a:rPr lang="en-US" sz="2000" dirty="0">
-                <a:solidFill>
-                  <a:srgbClr val="0070C0"/>
-                </a:solidFill>
-              </a:rPr>
-              <a:t> Profile : </a:t>
-            </a:r>
-            <a:r>
-              <a:rPr lang="en-US" sz="2000" dirty="0" err="1">
-                <a:solidFill>
-                  <a:srgbClr val="0070C0"/>
-                </a:solidFill>
-              </a:rPr>
-              <a:t>Maiben</a:t>
-            </a:r>
-            <a:r>
-              <a:rPr lang="en-US" sz="2000" dirty="0">
-                <a:solidFill>
-                  <a:srgbClr val="0070C0"/>
-                </a:solidFill>
-              </a:rPr>
-              <a:t> Eric</a:t>
-            </a:r>
-          </a:p>
-          <a:p>
-            <a:r>
-              <a:rPr lang="en-US" sz="2000" dirty="0" err="1">
-                <a:solidFill>
-                  <a:srgbClr val="0070C0"/>
-                </a:solidFill>
-              </a:rPr>
-              <a:t>Email:eric.okacha@student.moringaschool.com</a:t>
-            </a:r>
-            <a:endParaRPr lang="en-US" sz="2000" dirty="0">
-              <a:solidFill>
-                <a:srgbClr val="0070C0"/>
-              </a:solidFill>
-            </a:endParaRPr>
-          </a:p>
-        </p:txBody>
-      </p:sp>
-    </p:spTree>
-    <p:extLst>
-      <p:ext uri="{BB962C8B-B14F-4D97-AF65-F5344CB8AC3E}">
-        <p14:creationId xmlns:p14="http://schemas.microsoft.com/office/powerpoint/2010/main" val="3030728083"/>
-      </p:ext>
-    </p:extLst>
-  </p:cSld>
-  <p:clrMapOvr>
-    <a:masterClrMapping/>
-  </p:clrMapOvr>
 </p:sld>
 </file>
 
